--- a/docs/ISA 681 Security Assurance Diagram.pptx
+++ b/docs/ISA 681 Security Assurance Diagram.pptx
@@ -4,6 +4,9 @@
   <p:sldMasterIdLst>
     <p:sldMasterId id="2147483648" r:id="rId1"/>
   </p:sldMasterIdLst>
+  <p:notesMasterIdLst>
+    <p:notesMasterId r:id="rId3"/>
+  </p:notesMasterIdLst>
   <p:sldIdLst>
     <p:sldId id="256" r:id="rId2"/>
   </p:sldIdLst>
@@ -112,6 +115,439 @@
 </p:presentation>
 </file>
 
+<file path=ppt/notesMasters/notesMaster1.xml><?xml version="1.0" encoding="utf-8"?>
+<p:notesMaster xmlns:a="http://schemas.openxmlformats.org/drawingml/2006/main" xmlns:r="http://schemas.openxmlformats.org/officeDocument/2006/relationships" xmlns:p="http://schemas.openxmlformats.org/presentationml/2006/main">
+  <p:cSld>
+    <p:bg>
+      <p:bgRef idx="1001">
+        <a:schemeClr val="bg1"/>
+      </p:bgRef>
+    </p:bg>
+    <p:spTree>
+      <p:nvGrpSpPr>
+        <p:cNvPr id="1" name=""/>
+        <p:cNvGrpSpPr/>
+        <p:nvPr/>
+      </p:nvGrpSpPr>
+      <p:grpSpPr>
+        <a:xfrm>
+          <a:off x="0" y="0"/>
+          <a:ext cx="0" cy="0"/>
+          <a:chOff x="0" y="0"/>
+          <a:chExt cx="0" cy="0"/>
+        </a:xfrm>
+      </p:grpSpPr>
+      <p:sp>
+        <p:nvSpPr>
+          <p:cNvPr id="2" name="Header Placeholder 1"/>
+          <p:cNvSpPr>
+            <a:spLocks noGrp="1"/>
+          </p:cNvSpPr>
+          <p:nvPr>
+            <p:ph type="hdr" sz="quarter"/>
+          </p:nvPr>
+        </p:nvSpPr>
+        <p:spPr>
+          <a:xfrm>
+            <a:off x="0" y="0"/>
+            <a:ext cx="2971800" cy="458788"/>
+          </a:xfrm>
+          <a:prstGeom prst="rect">
+            <a:avLst/>
+          </a:prstGeom>
+        </p:spPr>
+        <p:txBody>
+          <a:bodyPr vert="horz" lIns="91440" tIns="45720" rIns="91440" bIns="45720" rtlCol="0"/>
+          <a:lstStyle>
+            <a:lvl1pPr algn="l">
+              <a:defRPr sz="1200"/>
+            </a:lvl1pPr>
+          </a:lstStyle>
+          <a:p>
+            <a:endParaRPr lang="en-US"/>
+          </a:p>
+        </p:txBody>
+      </p:sp>
+      <p:sp>
+        <p:nvSpPr>
+          <p:cNvPr id="3" name="Date Placeholder 2"/>
+          <p:cNvSpPr>
+            <a:spLocks noGrp="1"/>
+          </p:cNvSpPr>
+          <p:nvPr>
+            <p:ph type="dt" idx="1"/>
+          </p:nvPr>
+        </p:nvSpPr>
+        <p:spPr>
+          <a:xfrm>
+            <a:off x="3884613" y="0"/>
+            <a:ext cx="2971800" cy="458788"/>
+          </a:xfrm>
+          <a:prstGeom prst="rect">
+            <a:avLst/>
+          </a:prstGeom>
+        </p:spPr>
+        <p:txBody>
+          <a:bodyPr vert="horz" lIns="91440" tIns="45720" rIns="91440" bIns="45720" rtlCol="0"/>
+          <a:lstStyle>
+            <a:lvl1pPr algn="r">
+              <a:defRPr sz="1200"/>
+            </a:lvl1pPr>
+          </a:lstStyle>
+          <a:p>
+            <a:fld id="{8DF0C5F0-AF91-804F-9F06-08FB22E486CC}" type="datetimeFigureOut">
+              <a:rPr lang="en-US" smtClean="0"/>
+              <a:t>4/30/21</a:t>
+            </a:fld>
+            <a:endParaRPr lang="en-US"/>
+          </a:p>
+        </p:txBody>
+      </p:sp>
+      <p:sp>
+        <p:nvSpPr>
+          <p:cNvPr id="4" name="Slide Image Placeholder 3"/>
+          <p:cNvSpPr>
+            <a:spLocks noGrp="1" noRot="1" noChangeAspect="1"/>
+          </p:cNvSpPr>
+          <p:nvPr>
+            <p:ph type="sldImg" idx="2"/>
+          </p:nvPr>
+        </p:nvSpPr>
+        <p:spPr>
+          <a:xfrm>
+            <a:off x="685800" y="1143000"/>
+            <a:ext cx="5486400" cy="3086100"/>
+          </a:xfrm>
+          <a:prstGeom prst="rect">
+            <a:avLst/>
+          </a:prstGeom>
+          <a:noFill/>
+          <a:ln w="12700">
+            <a:solidFill>
+              <a:prstClr val="black"/>
+            </a:solidFill>
+          </a:ln>
+        </p:spPr>
+        <p:txBody>
+          <a:bodyPr vert="horz" lIns="91440" tIns="45720" rIns="91440" bIns="45720" rtlCol="0" anchor="ctr"/>
+          <a:lstStyle/>
+          <a:p>
+            <a:endParaRPr lang="en-US"/>
+          </a:p>
+        </p:txBody>
+      </p:sp>
+      <p:sp>
+        <p:nvSpPr>
+          <p:cNvPr id="5" name="Notes Placeholder 4"/>
+          <p:cNvSpPr>
+            <a:spLocks noGrp="1"/>
+          </p:cNvSpPr>
+          <p:nvPr>
+            <p:ph type="body" sz="quarter" idx="3"/>
+          </p:nvPr>
+        </p:nvSpPr>
+        <p:spPr>
+          <a:xfrm>
+            <a:off x="685800" y="4400550"/>
+            <a:ext cx="5486400" cy="3600450"/>
+          </a:xfrm>
+          <a:prstGeom prst="rect">
+            <a:avLst/>
+          </a:prstGeom>
+        </p:spPr>
+        <p:txBody>
+          <a:bodyPr vert="horz" lIns="91440" tIns="45720" rIns="91440" bIns="45720" rtlCol="0"/>
+          <a:lstStyle/>
+          <a:p>
+            <a:pPr lvl="0"/>
+            <a:r>
+              <a:rPr lang="en-US"/>
+              <a:t>Click to edit Master text styles</a:t>
+            </a:r>
+          </a:p>
+          <a:p>
+            <a:pPr lvl="1"/>
+            <a:r>
+              <a:rPr lang="en-US"/>
+              <a:t>Second level</a:t>
+            </a:r>
+          </a:p>
+          <a:p>
+            <a:pPr lvl="2"/>
+            <a:r>
+              <a:rPr lang="en-US"/>
+              <a:t>Third level</a:t>
+            </a:r>
+          </a:p>
+          <a:p>
+            <a:pPr lvl="3"/>
+            <a:r>
+              <a:rPr lang="en-US"/>
+              <a:t>Fourth level</a:t>
+            </a:r>
+          </a:p>
+          <a:p>
+            <a:pPr lvl="4"/>
+            <a:r>
+              <a:rPr lang="en-US"/>
+              <a:t>Fifth level</a:t>
+            </a:r>
+          </a:p>
+        </p:txBody>
+      </p:sp>
+      <p:sp>
+        <p:nvSpPr>
+          <p:cNvPr id="6" name="Footer Placeholder 5"/>
+          <p:cNvSpPr>
+            <a:spLocks noGrp="1"/>
+          </p:cNvSpPr>
+          <p:nvPr>
+            <p:ph type="ftr" sz="quarter" idx="4"/>
+          </p:nvPr>
+        </p:nvSpPr>
+        <p:spPr>
+          <a:xfrm>
+            <a:off x="0" y="8685213"/>
+            <a:ext cx="2971800" cy="458787"/>
+          </a:xfrm>
+          <a:prstGeom prst="rect">
+            <a:avLst/>
+          </a:prstGeom>
+        </p:spPr>
+        <p:txBody>
+          <a:bodyPr vert="horz" lIns="91440" tIns="45720" rIns="91440" bIns="45720" rtlCol="0" anchor="b"/>
+          <a:lstStyle>
+            <a:lvl1pPr algn="l">
+              <a:defRPr sz="1200"/>
+            </a:lvl1pPr>
+          </a:lstStyle>
+          <a:p>
+            <a:endParaRPr lang="en-US"/>
+          </a:p>
+        </p:txBody>
+      </p:sp>
+      <p:sp>
+        <p:nvSpPr>
+          <p:cNvPr id="7" name="Slide Number Placeholder 6"/>
+          <p:cNvSpPr>
+            <a:spLocks noGrp="1"/>
+          </p:cNvSpPr>
+          <p:nvPr>
+            <p:ph type="sldNum" sz="quarter" idx="5"/>
+          </p:nvPr>
+        </p:nvSpPr>
+        <p:spPr>
+          <a:xfrm>
+            <a:off x="3884613" y="8685213"/>
+            <a:ext cx="2971800" cy="458787"/>
+          </a:xfrm>
+          <a:prstGeom prst="rect">
+            <a:avLst/>
+          </a:prstGeom>
+        </p:spPr>
+        <p:txBody>
+          <a:bodyPr vert="horz" lIns="91440" tIns="45720" rIns="91440" bIns="45720" rtlCol="0" anchor="b"/>
+          <a:lstStyle>
+            <a:lvl1pPr algn="r">
+              <a:defRPr sz="1200"/>
+            </a:lvl1pPr>
+          </a:lstStyle>
+          <a:p>
+            <a:fld id="{2D2441E0-3D09-4E4D-A2BD-93CD10713E5B}" type="slidenum">
+              <a:rPr lang="en-US" smtClean="0"/>
+              <a:t>‹#›</a:t>
+            </a:fld>
+            <a:endParaRPr lang="en-US"/>
+          </a:p>
+        </p:txBody>
+      </p:sp>
+    </p:spTree>
+    <p:extLst>
+      <p:ext uri="{BB962C8B-B14F-4D97-AF65-F5344CB8AC3E}">
+        <p14:creationId xmlns:p14="http://schemas.microsoft.com/office/powerpoint/2010/main" val="1296575377"/>
+      </p:ext>
+    </p:extLst>
+  </p:cSld>
+  <p:clrMap bg1="lt1" tx1="dk1" bg2="lt2" tx2="dk2" accent1="accent1" accent2="accent2" accent3="accent3" accent4="accent4" accent5="accent5" accent6="accent6" hlink="hlink" folHlink="folHlink"/>
+  <p:notesStyle>
+    <a:lvl1pPr marL="0" algn="l" defTabSz="914400" rtl="0" eaLnBrk="1" latinLnBrk="0" hangingPunct="1">
+      <a:defRPr sz="1200" kern="1200">
+        <a:solidFill>
+          <a:schemeClr val="tx1"/>
+        </a:solidFill>
+        <a:latin typeface="+mn-lt"/>
+        <a:ea typeface="+mn-ea"/>
+        <a:cs typeface="+mn-cs"/>
+      </a:defRPr>
+    </a:lvl1pPr>
+    <a:lvl2pPr marL="457200" algn="l" defTabSz="914400" rtl="0" eaLnBrk="1" latinLnBrk="0" hangingPunct="1">
+      <a:defRPr sz="1200" kern="1200">
+        <a:solidFill>
+          <a:schemeClr val="tx1"/>
+        </a:solidFill>
+        <a:latin typeface="+mn-lt"/>
+        <a:ea typeface="+mn-ea"/>
+        <a:cs typeface="+mn-cs"/>
+      </a:defRPr>
+    </a:lvl2pPr>
+    <a:lvl3pPr marL="914400" algn="l" defTabSz="914400" rtl="0" eaLnBrk="1" latinLnBrk="0" hangingPunct="1">
+      <a:defRPr sz="1200" kern="1200">
+        <a:solidFill>
+          <a:schemeClr val="tx1"/>
+        </a:solidFill>
+        <a:latin typeface="+mn-lt"/>
+        <a:ea typeface="+mn-ea"/>
+        <a:cs typeface="+mn-cs"/>
+      </a:defRPr>
+    </a:lvl3pPr>
+    <a:lvl4pPr marL="1371600" algn="l" defTabSz="914400" rtl="0" eaLnBrk="1" latinLnBrk="0" hangingPunct="1">
+      <a:defRPr sz="1200" kern="1200">
+        <a:solidFill>
+          <a:schemeClr val="tx1"/>
+        </a:solidFill>
+        <a:latin typeface="+mn-lt"/>
+        <a:ea typeface="+mn-ea"/>
+        <a:cs typeface="+mn-cs"/>
+      </a:defRPr>
+    </a:lvl4pPr>
+    <a:lvl5pPr marL="1828800" algn="l" defTabSz="914400" rtl="0" eaLnBrk="1" latinLnBrk="0" hangingPunct="1">
+      <a:defRPr sz="1200" kern="1200">
+        <a:solidFill>
+          <a:schemeClr val="tx1"/>
+        </a:solidFill>
+        <a:latin typeface="+mn-lt"/>
+        <a:ea typeface="+mn-ea"/>
+        <a:cs typeface="+mn-cs"/>
+      </a:defRPr>
+    </a:lvl5pPr>
+    <a:lvl6pPr marL="2286000" algn="l" defTabSz="914400" rtl="0" eaLnBrk="1" latinLnBrk="0" hangingPunct="1">
+      <a:defRPr sz="1200" kern="1200">
+        <a:solidFill>
+          <a:schemeClr val="tx1"/>
+        </a:solidFill>
+        <a:latin typeface="+mn-lt"/>
+        <a:ea typeface="+mn-ea"/>
+        <a:cs typeface="+mn-cs"/>
+      </a:defRPr>
+    </a:lvl6pPr>
+    <a:lvl7pPr marL="2743200" algn="l" defTabSz="914400" rtl="0" eaLnBrk="1" latinLnBrk="0" hangingPunct="1">
+      <a:defRPr sz="1200" kern="1200">
+        <a:solidFill>
+          <a:schemeClr val="tx1"/>
+        </a:solidFill>
+        <a:latin typeface="+mn-lt"/>
+        <a:ea typeface="+mn-ea"/>
+        <a:cs typeface="+mn-cs"/>
+      </a:defRPr>
+    </a:lvl7pPr>
+    <a:lvl8pPr marL="3200400" algn="l" defTabSz="914400" rtl="0" eaLnBrk="1" latinLnBrk="0" hangingPunct="1">
+      <a:defRPr sz="1200" kern="1200">
+        <a:solidFill>
+          <a:schemeClr val="tx1"/>
+        </a:solidFill>
+        <a:latin typeface="+mn-lt"/>
+        <a:ea typeface="+mn-ea"/>
+        <a:cs typeface="+mn-cs"/>
+      </a:defRPr>
+    </a:lvl8pPr>
+    <a:lvl9pPr marL="3657600" algn="l" defTabSz="914400" rtl="0" eaLnBrk="1" latinLnBrk="0" hangingPunct="1">
+      <a:defRPr sz="1200" kern="1200">
+        <a:solidFill>
+          <a:schemeClr val="tx1"/>
+        </a:solidFill>
+        <a:latin typeface="+mn-lt"/>
+        <a:ea typeface="+mn-ea"/>
+        <a:cs typeface="+mn-cs"/>
+      </a:defRPr>
+    </a:lvl9pPr>
+  </p:notesStyle>
+</p:notesMaster>
+</file>
+
+<file path=ppt/notesSlides/notesSlide1.xml><?xml version="1.0" encoding="utf-8"?>
+<p:notes xmlns:a="http://schemas.openxmlformats.org/drawingml/2006/main" xmlns:r="http://schemas.openxmlformats.org/officeDocument/2006/relationships" xmlns:p="http://schemas.openxmlformats.org/presentationml/2006/main">
+  <p:cSld>
+    <p:spTree>
+      <p:nvGrpSpPr>
+        <p:cNvPr id="1" name=""/>
+        <p:cNvGrpSpPr/>
+        <p:nvPr/>
+      </p:nvGrpSpPr>
+      <p:grpSpPr>
+        <a:xfrm>
+          <a:off x="0" y="0"/>
+          <a:ext cx="0" cy="0"/>
+          <a:chOff x="0" y="0"/>
+          <a:chExt cx="0" cy="0"/>
+        </a:xfrm>
+      </p:grpSpPr>
+      <p:sp>
+        <p:nvSpPr>
+          <p:cNvPr id="2" name="Slide Image Placeholder 1"/>
+          <p:cNvSpPr>
+            <a:spLocks noGrp="1" noRot="1" noChangeAspect="1"/>
+          </p:cNvSpPr>
+          <p:nvPr>
+            <p:ph type="sldImg"/>
+          </p:nvPr>
+        </p:nvSpPr>
+        <p:spPr/>
+      </p:sp>
+      <p:sp>
+        <p:nvSpPr>
+          <p:cNvPr id="3" name="Notes Placeholder 2"/>
+          <p:cNvSpPr>
+            <a:spLocks noGrp="1"/>
+          </p:cNvSpPr>
+          <p:nvPr>
+            <p:ph type="body" idx="1"/>
+          </p:nvPr>
+        </p:nvSpPr>
+        <p:spPr/>
+        <p:txBody>
+          <a:bodyPr/>
+          <a:lstStyle/>
+          <a:p>
+            <a:endParaRPr lang="en-US" dirty="0"/>
+          </a:p>
+        </p:txBody>
+      </p:sp>
+      <p:sp>
+        <p:nvSpPr>
+          <p:cNvPr id="4" name="Slide Number Placeholder 3"/>
+          <p:cNvSpPr>
+            <a:spLocks noGrp="1"/>
+          </p:cNvSpPr>
+          <p:nvPr>
+            <p:ph type="sldNum" sz="quarter" idx="5"/>
+          </p:nvPr>
+        </p:nvSpPr>
+        <p:spPr/>
+        <p:txBody>
+          <a:bodyPr/>
+          <a:lstStyle/>
+          <a:p>
+            <a:fld id="{2D2441E0-3D09-4E4D-A2BD-93CD10713E5B}" type="slidenum">
+              <a:rPr lang="en-US" smtClean="0"/>
+              <a:t>1</a:t>
+            </a:fld>
+            <a:endParaRPr lang="en-US"/>
+          </a:p>
+        </p:txBody>
+      </p:sp>
+    </p:spTree>
+    <p:extLst>
+      <p:ext uri="{BB962C8B-B14F-4D97-AF65-F5344CB8AC3E}">
+        <p14:creationId xmlns:p14="http://schemas.microsoft.com/office/powerpoint/2010/main" val="2698991275"/>
+      </p:ext>
+    </p:extLst>
+  </p:cSld>
+  <p:clrMapOvr>
+    <a:masterClrMapping/>
+  </p:clrMapOvr>
+</p:notes>
+</file>
+
 <file path=ppt/slideLayouts/slideLayout1.xml><?xml version="1.0" encoding="utf-8"?>
 <p:sldLayout xmlns:a="http://schemas.openxmlformats.org/drawingml/2006/main" xmlns:r="http://schemas.openxmlformats.org/officeDocument/2006/relationships" xmlns:p="http://schemas.openxmlformats.org/presentationml/2006/main" type="title" preserve="1">
   <p:cSld name="Title Slide">
@@ -259,7 +695,7 @@
           <a:p>
             <a:fld id="{86D00BEC-5AC4-994F-A9AA-BA126DC4701F}" type="datetimeFigureOut">
               <a:rPr lang="en-US" smtClean="0"/>
-              <a:t>4/21/21</a:t>
+              <a:t>4/29/21</a:t>
             </a:fld>
             <a:endParaRPr lang="en-US"/>
           </a:p>
@@ -457,7 +893,7 @@
           <a:p>
             <a:fld id="{86D00BEC-5AC4-994F-A9AA-BA126DC4701F}" type="datetimeFigureOut">
               <a:rPr lang="en-US" smtClean="0"/>
-              <a:t>4/21/21</a:t>
+              <a:t>4/29/21</a:t>
             </a:fld>
             <a:endParaRPr lang="en-US"/>
           </a:p>
@@ -665,7 +1101,7 @@
           <a:p>
             <a:fld id="{86D00BEC-5AC4-994F-A9AA-BA126DC4701F}" type="datetimeFigureOut">
               <a:rPr lang="en-US" smtClean="0"/>
-              <a:t>4/21/21</a:t>
+              <a:t>4/29/21</a:t>
             </a:fld>
             <a:endParaRPr lang="en-US"/>
           </a:p>
@@ -863,7 +1299,7 @@
           <a:p>
             <a:fld id="{86D00BEC-5AC4-994F-A9AA-BA126DC4701F}" type="datetimeFigureOut">
               <a:rPr lang="en-US" smtClean="0"/>
-              <a:t>4/21/21</a:t>
+              <a:t>4/29/21</a:t>
             </a:fld>
             <a:endParaRPr lang="en-US"/>
           </a:p>
@@ -1138,7 +1574,7 @@
           <a:p>
             <a:fld id="{86D00BEC-5AC4-994F-A9AA-BA126DC4701F}" type="datetimeFigureOut">
               <a:rPr lang="en-US" smtClean="0"/>
-              <a:t>4/21/21</a:t>
+              <a:t>4/29/21</a:t>
             </a:fld>
             <a:endParaRPr lang="en-US"/>
           </a:p>
@@ -1403,7 +1839,7 @@
           <a:p>
             <a:fld id="{86D00BEC-5AC4-994F-A9AA-BA126DC4701F}" type="datetimeFigureOut">
               <a:rPr lang="en-US" smtClean="0"/>
-              <a:t>4/21/21</a:t>
+              <a:t>4/29/21</a:t>
             </a:fld>
             <a:endParaRPr lang="en-US"/>
           </a:p>
@@ -1815,7 +2251,7 @@
           <a:p>
             <a:fld id="{86D00BEC-5AC4-994F-A9AA-BA126DC4701F}" type="datetimeFigureOut">
               <a:rPr lang="en-US" smtClean="0"/>
-              <a:t>4/21/21</a:t>
+              <a:t>4/29/21</a:t>
             </a:fld>
             <a:endParaRPr lang="en-US"/>
           </a:p>
@@ -1956,7 +2392,7 @@
           <a:p>
             <a:fld id="{86D00BEC-5AC4-994F-A9AA-BA126DC4701F}" type="datetimeFigureOut">
               <a:rPr lang="en-US" smtClean="0"/>
-              <a:t>4/21/21</a:t>
+              <a:t>4/29/21</a:t>
             </a:fld>
             <a:endParaRPr lang="en-US"/>
           </a:p>
@@ -2069,7 +2505,7 @@
           <a:p>
             <a:fld id="{86D00BEC-5AC4-994F-A9AA-BA126DC4701F}" type="datetimeFigureOut">
               <a:rPr lang="en-US" smtClean="0"/>
-              <a:t>4/21/21</a:t>
+              <a:t>4/29/21</a:t>
             </a:fld>
             <a:endParaRPr lang="en-US"/>
           </a:p>
@@ -2380,7 +2816,7 @@
           <a:p>
             <a:fld id="{86D00BEC-5AC4-994F-A9AA-BA126DC4701F}" type="datetimeFigureOut">
               <a:rPr lang="en-US" smtClean="0"/>
-              <a:t>4/21/21</a:t>
+              <a:t>4/29/21</a:t>
             </a:fld>
             <a:endParaRPr lang="en-US"/>
           </a:p>
@@ -2668,7 +3104,7 @@
           <a:p>
             <a:fld id="{86D00BEC-5AC4-994F-A9AA-BA126DC4701F}" type="datetimeFigureOut">
               <a:rPr lang="en-US" smtClean="0"/>
-              <a:t>4/21/21</a:t>
+              <a:t>4/29/21</a:t>
             </a:fld>
             <a:endParaRPr lang="en-US"/>
           </a:p>
@@ -2909,7 +3345,7 @@
           <a:p>
             <a:fld id="{86D00BEC-5AC4-994F-A9AA-BA126DC4701F}" type="datetimeFigureOut">
               <a:rPr lang="en-US" smtClean="0"/>
-              <a:t>4/21/21</a:t>
+              <a:t>4/29/21</a:t>
             </a:fld>
             <a:endParaRPr lang="en-US"/>
           </a:p>
@@ -4329,8 +4765,8 @@
         </p:nvSpPr>
         <p:spPr>
           <a:xfrm>
-            <a:off x="3321718" y="4471179"/>
-            <a:ext cx="1322654" cy="1004963"/>
+            <a:off x="3321131" y="4405623"/>
+            <a:ext cx="1322654" cy="1150130"/>
           </a:xfrm>
           <a:prstGeom prst="roundRect">
             <a:avLst/>
@@ -4361,7 +4797,7 @@
             </a:pPr>
             <a:r>
               <a:rPr lang="en-US" sz="1200" dirty="0"/>
-              <a:t>Player moves are atomic and only the current player move is accepted</a:t>
+              <a:t>Player moves are validated by server and only the move of the “in turn” player  is accepted</a:t>
             </a:r>
           </a:p>
         </p:txBody>
@@ -4383,7 +4819,7 @@
         </p:nvCxnSpPr>
         <p:spPr>
           <a:xfrm flipH="1" flipV="1">
-            <a:off x="3972411" y="3761919"/>
+            <a:off x="3971824" y="3696363"/>
             <a:ext cx="10634" cy="709260"/>
           </a:xfrm>
           <a:prstGeom prst="straightConnector1">
@@ -4575,6 +5011,873 @@
           <a:xfrm flipH="1" flipV="1">
             <a:off x="4644372" y="3742812"/>
             <a:ext cx="993817" cy="779904"/>
+          </a:xfrm>
+          <a:prstGeom prst="straightConnector1">
+            <a:avLst/>
+          </a:prstGeom>
+          <a:ln w="19050">
+            <a:solidFill>
+              <a:schemeClr val="tx1"/>
+            </a:solidFill>
+            <a:tailEnd type="arrow"/>
+          </a:ln>
+        </p:spPr>
+        <p:style>
+          <a:lnRef idx="1">
+            <a:schemeClr val="accent1"/>
+          </a:lnRef>
+          <a:fillRef idx="0">
+            <a:schemeClr val="accent1"/>
+          </a:fillRef>
+          <a:effectRef idx="0">
+            <a:schemeClr val="accent1"/>
+          </a:effectRef>
+          <a:fontRef idx="minor">
+            <a:schemeClr val="tx1"/>
+          </a:fontRef>
+        </p:style>
+      </p:cxnSp>
+      <p:sp>
+        <p:nvSpPr>
+          <p:cNvPr id="26" name="Oval 25">
+            <a:extLst>
+              <a:ext uri="{FF2B5EF4-FFF2-40B4-BE49-F238E27FC236}">
+                <a16:creationId xmlns:a16="http://schemas.microsoft.com/office/drawing/2014/main" id="{9147C193-0167-5740-9BFC-421E7DCAB19E}"/>
+              </a:ext>
+            </a:extLst>
+          </p:cNvPr>
+          <p:cNvSpPr/>
+          <p:nvPr/>
+        </p:nvSpPr>
+        <p:spPr>
+          <a:xfrm>
+            <a:off x="7894322" y="2177711"/>
+            <a:ext cx="2197563" cy="873374"/>
+          </a:xfrm>
+          <a:prstGeom prst="ellipse">
+            <a:avLst/>
+          </a:prstGeom>
+          <a:solidFill>
+            <a:srgbClr val="AECF00"/>
+          </a:solidFill>
+        </p:spPr>
+        <p:style>
+          <a:lnRef idx="2">
+            <a:schemeClr val="accent1">
+              <a:shade val="50000"/>
+            </a:schemeClr>
+          </a:lnRef>
+          <a:fillRef idx="1">
+            <a:schemeClr val="accent1"/>
+          </a:fillRef>
+          <a:effectRef idx="0">
+            <a:schemeClr val="accent1"/>
+          </a:effectRef>
+          <a:fontRef idx="minor">
+            <a:schemeClr val="lt1"/>
+          </a:fontRef>
+        </p:style>
+        <p:txBody>
+          <a:bodyPr anchor="ctr"/>
+          <a:lstStyle/>
+          <a:p>
+            <a:pPr algn="ctr"/>
+            <a:r>
+              <a:rPr lang="en-US" sz="1200" dirty="0">
+                <a:solidFill>
+                  <a:schemeClr val="tx1"/>
+                </a:solidFill>
+              </a:rPr>
+              <a:t>Security implemented in during development process</a:t>
+            </a:r>
+          </a:p>
+        </p:txBody>
+      </p:sp>
+      <p:sp>
+        <p:nvSpPr>
+          <p:cNvPr id="27" name="Rounded Rectangle 26">
+            <a:extLst>
+              <a:ext uri="{FF2B5EF4-FFF2-40B4-BE49-F238E27FC236}">
+                <a16:creationId xmlns:a16="http://schemas.microsoft.com/office/drawing/2014/main" id="{815EBC1A-67A7-C64C-AACD-F0999E8B0437}"/>
+              </a:ext>
+            </a:extLst>
+          </p:cNvPr>
+          <p:cNvSpPr/>
+          <p:nvPr/>
+        </p:nvSpPr>
+        <p:spPr>
+          <a:xfrm>
+            <a:off x="7005402" y="4089279"/>
+            <a:ext cx="1531013" cy="654721"/>
+          </a:xfrm>
+          <a:prstGeom prst="roundRect">
+            <a:avLst/>
+          </a:prstGeom>
+        </p:spPr>
+        <p:style>
+          <a:lnRef idx="2">
+            <a:schemeClr val="accent1">
+              <a:shade val="50000"/>
+            </a:schemeClr>
+          </a:lnRef>
+          <a:fillRef idx="1">
+            <a:schemeClr val="accent1"/>
+          </a:fillRef>
+          <a:effectRef idx="0">
+            <a:schemeClr val="accent1"/>
+          </a:effectRef>
+          <a:fontRef idx="minor">
+            <a:schemeClr val="lt1"/>
+          </a:fontRef>
+        </p:style>
+        <p:txBody>
+          <a:bodyPr anchor="ctr"/>
+          <a:lstStyle/>
+          <a:p>
+            <a:pPr algn="ctr" eaLnBrk="1" hangingPunct="1">
+              <a:defRPr/>
+            </a:pPr>
+            <a:r>
+              <a:rPr lang="en-US" sz="1200" dirty="0"/>
+              <a:t>Time out on move avoids one player locking out other</a:t>
+            </a:r>
+          </a:p>
+        </p:txBody>
+      </p:sp>
+      <p:cxnSp>
+        <p:nvCxnSpPr>
+          <p:cNvPr id="28" name="Straight Arrow Connector 27">
+            <a:extLst>
+              <a:ext uri="{FF2B5EF4-FFF2-40B4-BE49-F238E27FC236}">
+                <a16:creationId xmlns:a16="http://schemas.microsoft.com/office/drawing/2014/main" id="{7254B241-50AC-EE4F-BBB8-D701E99E5635}"/>
+              </a:ext>
+            </a:extLst>
+          </p:cNvPr>
+          <p:cNvCxnSpPr>
+            <a:cxnSpLocks/>
+            <a:stCxn id="27" idx="0"/>
+          </p:cNvCxnSpPr>
+          <p:nvPr/>
+        </p:nvCxnSpPr>
+        <p:spPr>
+          <a:xfrm flipH="1" flipV="1">
+            <a:off x="6437406" y="3728618"/>
+            <a:ext cx="1333503" cy="360661"/>
+          </a:xfrm>
+          <a:prstGeom prst="straightConnector1">
+            <a:avLst/>
+          </a:prstGeom>
+          <a:ln w="19050">
+            <a:solidFill>
+              <a:schemeClr val="tx1"/>
+            </a:solidFill>
+            <a:tailEnd type="arrow"/>
+          </a:ln>
+        </p:spPr>
+        <p:style>
+          <a:lnRef idx="1">
+            <a:schemeClr val="accent1"/>
+          </a:lnRef>
+          <a:fillRef idx="0">
+            <a:schemeClr val="accent1"/>
+          </a:fillRef>
+          <a:effectRef idx="0">
+            <a:schemeClr val="accent1"/>
+          </a:effectRef>
+          <a:fontRef idx="minor">
+            <a:schemeClr val="tx1"/>
+          </a:fontRef>
+        </p:style>
+      </p:cxnSp>
+      <p:sp>
+        <p:nvSpPr>
+          <p:cNvPr id="31" name="Rounded Rectangle 30">
+            <a:extLst>
+              <a:ext uri="{FF2B5EF4-FFF2-40B4-BE49-F238E27FC236}">
+                <a16:creationId xmlns:a16="http://schemas.microsoft.com/office/drawing/2014/main" id="{237DC29E-C53F-1A45-BDF1-FF6FD56732C9}"/>
+              </a:ext>
+            </a:extLst>
+          </p:cNvPr>
+          <p:cNvSpPr/>
+          <p:nvPr/>
+        </p:nvSpPr>
+        <p:spPr>
+          <a:xfrm>
+            <a:off x="5975919" y="5595405"/>
+            <a:ext cx="1531013" cy="956435"/>
+          </a:xfrm>
+          <a:prstGeom prst="roundRect">
+            <a:avLst/>
+          </a:prstGeom>
+        </p:spPr>
+        <p:style>
+          <a:lnRef idx="2">
+            <a:schemeClr val="accent1">
+              <a:shade val="50000"/>
+            </a:schemeClr>
+          </a:lnRef>
+          <a:fillRef idx="1">
+            <a:schemeClr val="accent1"/>
+          </a:fillRef>
+          <a:effectRef idx="0">
+            <a:schemeClr val="accent1"/>
+          </a:effectRef>
+          <a:fontRef idx="minor">
+            <a:schemeClr val="lt1"/>
+          </a:fontRef>
+        </p:style>
+        <p:txBody>
+          <a:bodyPr anchor="ctr"/>
+          <a:lstStyle/>
+          <a:p>
+            <a:pPr algn="ctr" eaLnBrk="1" hangingPunct="1">
+              <a:defRPr/>
+            </a:pPr>
+            <a:r>
+              <a:rPr lang="en-US" sz="1200" dirty="0"/>
+              <a:t>Timed out games can be resumed, so a DDoS will not cause the game to end</a:t>
+            </a:r>
+          </a:p>
+        </p:txBody>
+      </p:sp>
+      <p:cxnSp>
+        <p:nvCxnSpPr>
+          <p:cNvPr id="32" name="Straight Arrow Connector 31">
+            <a:extLst>
+              <a:ext uri="{FF2B5EF4-FFF2-40B4-BE49-F238E27FC236}">
+                <a16:creationId xmlns:a16="http://schemas.microsoft.com/office/drawing/2014/main" id="{36EFD943-8832-E94D-AAFE-C003EB1F6B8A}"/>
+              </a:ext>
+            </a:extLst>
+          </p:cNvPr>
+          <p:cNvCxnSpPr>
+            <a:cxnSpLocks/>
+            <a:endCxn id="12" idx="2"/>
+          </p:cNvCxnSpPr>
+          <p:nvPr/>
+        </p:nvCxnSpPr>
+        <p:spPr>
+          <a:xfrm flipH="1" flipV="1">
+            <a:off x="6188011" y="3728618"/>
+            <a:ext cx="567996" cy="1869798"/>
+          </a:xfrm>
+          <a:prstGeom prst="straightConnector1">
+            <a:avLst/>
+          </a:prstGeom>
+          <a:ln w="19050">
+            <a:solidFill>
+              <a:schemeClr val="tx1"/>
+            </a:solidFill>
+            <a:tailEnd type="arrow"/>
+          </a:ln>
+        </p:spPr>
+        <p:style>
+          <a:lnRef idx="1">
+            <a:schemeClr val="accent1"/>
+          </a:lnRef>
+          <a:fillRef idx="0">
+            <a:schemeClr val="accent1"/>
+          </a:fillRef>
+          <a:effectRef idx="0">
+            <a:schemeClr val="accent1"/>
+          </a:effectRef>
+          <a:fontRef idx="minor">
+            <a:schemeClr val="tx1"/>
+          </a:fontRef>
+        </p:style>
+      </p:cxnSp>
+      <p:sp>
+        <p:nvSpPr>
+          <p:cNvPr id="38" name="Rounded Rectangle 37">
+            <a:extLst>
+              <a:ext uri="{FF2B5EF4-FFF2-40B4-BE49-F238E27FC236}">
+                <a16:creationId xmlns:a16="http://schemas.microsoft.com/office/drawing/2014/main" id="{CA76F7D2-3259-C14B-B221-B5362BA06424}"/>
+              </a:ext>
+            </a:extLst>
+          </p:cNvPr>
+          <p:cNvSpPr/>
+          <p:nvPr/>
+        </p:nvSpPr>
+        <p:spPr>
+          <a:xfrm>
+            <a:off x="10385789" y="3641825"/>
+            <a:ext cx="1531013" cy="654721"/>
+          </a:xfrm>
+          <a:prstGeom prst="roundRect">
+            <a:avLst/>
+          </a:prstGeom>
+        </p:spPr>
+        <p:style>
+          <a:lnRef idx="2">
+            <a:schemeClr val="accent1">
+              <a:shade val="50000"/>
+            </a:schemeClr>
+          </a:lnRef>
+          <a:fillRef idx="1">
+            <a:schemeClr val="accent1"/>
+          </a:fillRef>
+          <a:effectRef idx="0">
+            <a:schemeClr val="accent1"/>
+          </a:effectRef>
+          <a:fontRef idx="minor">
+            <a:schemeClr val="lt1"/>
+          </a:fontRef>
+        </p:style>
+        <p:txBody>
+          <a:bodyPr anchor="ctr"/>
+          <a:lstStyle/>
+          <a:p>
+            <a:pPr algn="ctr" eaLnBrk="1" hangingPunct="1">
+              <a:defRPr/>
+            </a:pPr>
+            <a:r>
+              <a:rPr lang="en-US" sz="1200" dirty="0"/>
+              <a:t>Use of memory safe language “python”</a:t>
+            </a:r>
+          </a:p>
+        </p:txBody>
+      </p:sp>
+      <p:cxnSp>
+        <p:nvCxnSpPr>
+          <p:cNvPr id="39" name="Straight Arrow Connector 38">
+            <a:extLst>
+              <a:ext uri="{FF2B5EF4-FFF2-40B4-BE49-F238E27FC236}">
+                <a16:creationId xmlns:a16="http://schemas.microsoft.com/office/drawing/2014/main" id="{345E4DCA-AB4C-9940-B0CF-CBECD4B509E5}"/>
+              </a:ext>
+            </a:extLst>
+          </p:cNvPr>
+          <p:cNvCxnSpPr>
+            <a:cxnSpLocks/>
+            <a:stCxn id="38" idx="0"/>
+          </p:cNvCxnSpPr>
+          <p:nvPr/>
+        </p:nvCxnSpPr>
+        <p:spPr>
+          <a:xfrm flipH="1" flipV="1">
+            <a:off x="9750458" y="2922785"/>
+            <a:ext cx="1400838" cy="719040"/>
+          </a:xfrm>
+          <a:prstGeom prst="straightConnector1">
+            <a:avLst/>
+          </a:prstGeom>
+          <a:ln w="19050">
+            <a:solidFill>
+              <a:schemeClr val="tx1"/>
+            </a:solidFill>
+            <a:tailEnd type="arrow"/>
+          </a:ln>
+        </p:spPr>
+        <p:style>
+          <a:lnRef idx="1">
+            <a:schemeClr val="accent1"/>
+          </a:lnRef>
+          <a:fillRef idx="0">
+            <a:schemeClr val="accent1"/>
+          </a:fillRef>
+          <a:effectRef idx="0">
+            <a:schemeClr val="accent1"/>
+          </a:effectRef>
+          <a:fontRef idx="minor">
+            <a:schemeClr val="tx1"/>
+          </a:fontRef>
+        </p:style>
+      </p:cxnSp>
+      <p:cxnSp>
+        <p:nvCxnSpPr>
+          <p:cNvPr id="44" name="Straight Arrow Connector 43">
+            <a:extLst>
+              <a:ext uri="{FF2B5EF4-FFF2-40B4-BE49-F238E27FC236}">
+                <a16:creationId xmlns:a16="http://schemas.microsoft.com/office/drawing/2014/main" id="{984E2348-F49B-5646-ACD6-D87F087F3E82}"/>
+              </a:ext>
+            </a:extLst>
+          </p:cNvPr>
+          <p:cNvCxnSpPr>
+            <a:cxnSpLocks/>
+          </p:cNvCxnSpPr>
+          <p:nvPr/>
+        </p:nvCxnSpPr>
+        <p:spPr>
+          <a:xfrm flipH="1" flipV="1">
+            <a:off x="6739064" y="2054124"/>
+            <a:ext cx="1279550" cy="359696"/>
+          </a:xfrm>
+          <a:prstGeom prst="straightConnector1">
+            <a:avLst/>
+          </a:prstGeom>
+          <a:ln w="19050">
+            <a:solidFill>
+              <a:schemeClr val="tx1"/>
+            </a:solidFill>
+            <a:tailEnd type="arrow"/>
+          </a:ln>
+        </p:spPr>
+        <p:style>
+          <a:lnRef idx="1">
+            <a:schemeClr val="accent1"/>
+          </a:lnRef>
+          <a:fillRef idx="0">
+            <a:schemeClr val="accent1"/>
+          </a:fillRef>
+          <a:effectRef idx="0">
+            <a:schemeClr val="accent1"/>
+          </a:effectRef>
+          <a:fontRef idx="minor">
+            <a:schemeClr val="tx1"/>
+          </a:fontRef>
+        </p:style>
+      </p:cxnSp>
+      <p:sp>
+        <p:nvSpPr>
+          <p:cNvPr id="45" name="Rounded Rectangle 44">
+            <a:extLst>
+              <a:ext uri="{FF2B5EF4-FFF2-40B4-BE49-F238E27FC236}">
+                <a16:creationId xmlns:a16="http://schemas.microsoft.com/office/drawing/2014/main" id="{D8220FD8-F6F1-3F46-BA10-B7BF08DD9262}"/>
+              </a:ext>
+            </a:extLst>
+          </p:cNvPr>
+          <p:cNvSpPr/>
+          <p:nvPr/>
+        </p:nvSpPr>
+        <p:spPr>
+          <a:xfrm>
+            <a:off x="6739064" y="5040571"/>
+            <a:ext cx="1780408" cy="384181"/>
+          </a:xfrm>
+          <a:prstGeom prst="roundRect">
+            <a:avLst/>
+          </a:prstGeom>
+        </p:spPr>
+        <p:style>
+          <a:lnRef idx="2">
+            <a:schemeClr val="accent1">
+              <a:shade val="50000"/>
+            </a:schemeClr>
+          </a:lnRef>
+          <a:fillRef idx="1">
+            <a:schemeClr val="accent1"/>
+          </a:fillRef>
+          <a:effectRef idx="0">
+            <a:schemeClr val="accent1"/>
+          </a:effectRef>
+          <a:fontRef idx="minor">
+            <a:schemeClr val="lt1"/>
+          </a:fontRef>
+        </p:style>
+        <p:txBody>
+          <a:bodyPr anchor="ctr"/>
+          <a:lstStyle/>
+          <a:p>
+            <a:pPr algn="ctr" eaLnBrk="1" hangingPunct="1">
+              <a:defRPr/>
+            </a:pPr>
+            <a:r>
+              <a:rPr lang="en-US" sz="1200" dirty="0"/>
+              <a:t>Able to handle multiple games concurrently</a:t>
+            </a:r>
+          </a:p>
+        </p:txBody>
+      </p:sp>
+      <p:cxnSp>
+        <p:nvCxnSpPr>
+          <p:cNvPr id="46" name="Straight Arrow Connector 45">
+            <a:extLst>
+              <a:ext uri="{FF2B5EF4-FFF2-40B4-BE49-F238E27FC236}">
+                <a16:creationId xmlns:a16="http://schemas.microsoft.com/office/drawing/2014/main" id="{402339A6-FDFE-064D-9496-0E00981D33BE}"/>
+              </a:ext>
+            </a:extLst>
+          </p:cNvPr>
+          <p:cNvCxnSpPr>
+            <a:cxnSpLocks/>
+          </p:cNvCxnSpPr>
+          <p:nvPr/>
+        </p:nvCxnSpPr>
+        <p:spPr>
+          <a:xfrm flipH="1" flipV="1">
+            <a:off x="6309213" y="3727626"/>
+            <a:ext cx="629726" cy="1312945"/>
+          </a:xfrm>
+          <a:prstGeom prst="straightConnector1">
+            <a:avLst/>
+          </a:prstGeom>
+          <a:ln w="19050">
+            <a:solidFill>
+              <a:schemeClr val="tx1"/>
+            </a:solidFill>
+            <a:tailEnd type="arrow"/>
+          </a:ln>
+        </p:spPr>
+        <p:style>
+          <a:lnRef idx="1">
+            <a:schemeClr val="accent1"/>
+          </a:lnRef>
+          <a:fillRef idx="0">
+            <a:schemeClr val="accent1"/>
+          </a:fillRef>
+          <a:effectRef idx="0">
+            <a:schemeClr val="accent1"/>
+          </a:effectRef>
+          <a:fontRef idx="minor">
+            <a:schemeClr val="tx1"/>
+          </a:fontRef>
+        </p:style>
+      </p:cxnSp>
+      <p:sp>
+        <p:nvSpPr>
+          <p:cNvPr id="50" name="Rounded Rectangle 49">
+            <a:extLst>
+              <a:ext uri="{FF2B5EF4-FFF2-40B4-BE49-F238E27FC236}">
+                <a16:creationId xmlns:a16="http://schemas.microsoft.com/office/drawing/2014/main" id="{95C83D79-02BE-6648-B3DB-F7D8762940E6}"/>
+              </a:ext>
+            </a:extLst>
+          </p:cNvPr>
+          <p:cNvSpPr/>
+          <p:nvPr/>
+        </p:nvSpPr>
+        <p:spPr>
+          <a:xfrm>
+            <a:off x="7879743" y="5740957"/>
+            <a:ext cx="1649990" cy="794098"/>
+          </a:xfrm>
+          <a:prstGeom prst="roundRect">
+            <a:avLst/>
+          </a:prstGeom>
+        </p:spPr>
+        <p:style>
+          <a:lnRef idx="2">
+            <a:schemeClr val="accent1">
+              <a:shade val="50000"/>
+            </a:schemeClr>
+          </a:lnRef>
+          <a:fillRef idx="1">
+            <a:schemeClr val="accent1"/>
+          </a:fillRef>
+          <a:effectRef idx="0">
+            <a:schemeClr val="accent1"/>
+          </a:effectRef>
+          <a:fontRef idx="minor">
+            <a:schemeClr val="lt1"/>
+          </a:fontRef>
+        </p:style>
+        <p:txBody>
+          <a:bodyPr anchor="ctr"/>
+          <a:lstStyle/>
+          <a:p>
+            <a:pPr algn="ctr" eaLnBrk="1" hangingPunct="1">
+              <a:defRPr/>
+            </a:pPr>
+            <a:r>
+              <a:rPr lang="en-US" sz="1200" dirty="0"/>
+              <a:t>Reviewed OWASP Top 10 Vulnerabilities to verify none potential on our game</a:t>
+            </a:r>
+          </a:p>
+        </p:txBody>
+      </p:sp>
+      <p:cxnSp>
+        <p:nvCxnSpPr>
+          <p:cNvPr id="51" name="Straight Arrow Connector 50">
+            <a:extLst>
+              <a:ext uri="{FF2B5EF4-FFF2-40B4-BE49-F238E27FC236}">
+                <a16:creationId xmlns:a16="http://schemas.microsoft.com/office/drawing/2014/main" id="{B3D21663-3D5A-BC43-B091-1D0FBCE64400}"/>
+              </a:ext>
+            </a:extLst>
+          </p:cNvPr>
+          <p:cNvCxnSpPr>
+            <a:cxnSpLocks/>
+            <a:stCxn id="50" idx="0"/>
+          </p:cNvCxnSpPr>
+          <p:nvPr/>
+        </p:nvCxnSpPr>
+        <p:spPr>
+          <a:xfrm flipV="1">
+            <a:off x="8704738" y="3051085"/>
+            <a:ext cx="0" cy="2689872"/>
+          </a:xfrm>
+          <a:prstGeom prst="straightConnector1">
+            <a:avLst/>
+          </a:prstGeom>
+          <a:ln w="19050">
+            <a:solidFill>
+              <a:schemeClr val="tx1"/>
+            </a:solidFill>
+            <a:tailEnd type="arrow"/>
+          </a:ln>
+        </p:spPr>
+        <p:style>
+          <a:lnRef idx="1">
+            <a:schemeClr val="accent1"/>
+          </a:lnRef>
+          <a:fillRef idx="0">
+            <a:schemeClr val="accent1"/>
+          </a:fillRef>
+          <a:effectRef idx="0">
+            <a:schemeClr val="accent1"/>
+          </a:effectRef>
+          <a:fontRef idx="minor">
+            <a:schemeClr val="tx1"/>
+          </a:fontRef>
+        </p:style>
+      </p:cxnSp>
+      <p:sp>
+        <p:nvSpPr>
+          <p:cNvPr id="58" name="Rounded Rectangle 57">
+            <a:extLst>
+              <a:ext uri="{FF2B5EF4-FFF2-40B4-BE49-F238E27FC236}">
+                <a16:creationId xmlns:a16="http://schemas.microsoft.com/office/drawing/2014/main" id="{48C9486A-D6E0-2240-923A-CF3F31D4AB96}"/>
+              </a:ext>
+            </a:extLst>
+          </p:cNvPr>
+          <p:cNvSpPr/>
+          <p:nvPr/>
+        </p:nvSpPr>
+        <p:spPr>
+          <a:xfrm>
+            <a:off x="9766985" y="5716627"/>
+            <a:ext cx="1649990" cy="794098"/>
+          </a:xfrm>
+          <a:prstGeom prst="roundRect">
+            <a:avLst/>
+          </a:prstGeom>
+        </p:spPr>
+        <p:style>
+          <a:lnRef idx="2">
+            <a:schemeClr val="accent1">
+              <a:shade val="50000"/>
+            </a:schemeClr>
+          </a:lnRef>
+          <a:fillRef idx="1">
+            <a:schemeClr val="accent1"/>
+          </a:fillRef>
+          <a:effectRef idx="0">
+            <a:schemeClr val="accent1"/>
+          </a:effectRef>
+          <a:fontRef idx="minor">
+            <a:schemeClr val="lt1"/>
+          </a:fontRef>
+        </p:style>
+        <p:txBody>
+          <a:bodyPr anchor="ctr"/>
+          <a:lstStyle/>
+          <a:p>
+            <a:pPr algn="ctr">
+              <a:defRPr/>
+            </a:pPr>
+            <a:r>
+              <a:rPr lang="en-US" sz="1200" dirty="0"/>
+              <a:t>Use proven libraries for authentication, TLS communication,  </a:t>
+            </a:r>
+          </a:p>
+        </p:txBody>
+      </p:sp>
+      <p:cxnSp>
+        <p:nvCxnSpPr>
+          <p:cNvPr id="59" name="Straight Arrow Connector 58">
+            <a:extLst>
+              <a:ext uri="{FF2B5EF4-FFF2-40B4-BE49-F238E27FC236}">
+                <a16:creationId xmlns:a16="http://schemas.microsoft.com/office/drawing/2014/main" id="{CCA8ADC9-3928-C343-8066-0EA5DB5BEE11}"/>
+              </a:ext>
+            </a:extLst>
+          </p:cNvPr>
+          <p:cNvCxnSpPr>
+            <a:cxnSpLocks/>
+            <a:endCxn id="26" idx="4"/>
+          </p:cNvCxnSpPr>
+          <p:nvPr/>
+        </p:nvCxnSpPr>
+        <p:spPr>
+          <a:xfrm flipH="1" flipV="1">
+            <a:off x="8993104" y="3051085"/>
+            <a:ext cx="1004594" cy="2665542"/>
+          </a:xfrm>
+          <a:prstGeom prst="straightConnector1">
+            <a:avLst/>
+          </a:prstGeom>
+          <a:ln w="19050">
+            <a:solidFill>
+              <a:schemeClr val="tx1"/>
+            </a:solidFill>
+            <a:tailEnd type="arrow"/>
+          </a:ln>
+        </p:spPr>
+        <p:style>
+          <a:lnRef idx="1">
+            <a:schemeClr val="accent1"/>
+          </a:lnRef>
+          <a:fillRef idx="0">
+            <a:schemeClr val="accent1"/>
+          </a:fillRef>
+          <a:effectRef idx="0">
+            <a:schemeClr val="accent1"/>
+          </a:effectRef>
+          <a:fontRef idx="minor">
+            <a:schemeClr val="tx1"/>
+          </a:fontRef>
+        </p:style>
+      </p:cxnSp>
+      <p:sp>
+        <p:nvSpPr>
+          <p:cNvPr id="61" name="Rounded Rectangle 60">
+            <a:extLst>
+              <a:ext uri="{FF2B5EF4-FFF2-40B4-BE49-F238E27FC236}">
+                <a16:creationId xmlns:a16="http://schemas.microsoft.com/office/drawing/2014/main" id="{448F74A9-1EC2-2F48-BBA4-819559A1E8A7}"/>
+              </a:ext>
+            </a:extLst>
+          </p:cNvPr>
+          <p:cNvSpPr/>
+          <p:nvPr/>
+        </p:nvSpPr>
+        <p:spPr>
+          <a:xfrm>
+            <a:off x="9911866" y="4682044"/>
+            <a:ext cx="1531014" cy="794098"/>
+          </a:xfrm>
+          <a:prstGeom prst="roundRect">
+            <a:avLst/>
+          </a:prstGeom>
+        </p:spPr>
+        <p:style>
+          <a:lnRef idx="2">
+            <a:schemeClr val="accent1">
+              <a:shade val="50000"/>
+            </a:schemeClr>
+          </a:lnRef>
+          <a:fillRef idx="1">
+            <a:schemeClr val="accent1"/>
+          </a:fillRef>
+          <a:effectRef idx="0">
+            <a:schemeClr val="accent1"/>
+          </a:effectRef>
+          <a:fontRef idx="minor">
+            <a:schemeClr val="lt1"/>
+          </a:fontRef>
+        </p:style>
+        <p:txBody>
+          <a:bodyPr anchor="ctr"/>
+          <a:lstStyle/>
+          <a:p>
+            <a:pPr algn="ctr">
+              <a:defRPr/>
+            </a:pPr>
+            <a:r>
+              <a:rPr lang="en-US" sz="1200" dirty="0"/>
+              <a:t>Use “safety” to check vulnerabilities in libraries  </a:t>
+            </a:r>
+          </a:p>
+        </p:txBody>
+      </p:sp>
+      <p:cxnSp>
+        <p:nvCxnSpPr>
+          <p:cNvPr id="62" name="Straight Arrow Connector 61">
+            <a:extLst>
+              <a:ext uri="{FF2B5EF4-FFF2-40B4-BE49-F238E27FC236}">
+                <a16:creationId xmlns:a16="http://schemas.microsoft.com/office/drawing/2014/main" id="{5C6848A6-7024-1548-9BDE-C80A9032983B}"/>
+              </a:ext>
+            </a:extLst>
+          </p:cNvPr>
+          <p:cNvCxnSpPr>
+            <a:cxnSpLocks/>
+            <a:stCxn id="61" idx="0"/>
+          </p:cNvCxnSpPr>
+          <p:nvPr/>
+        </p:nvCxnSpPr>
+        <p:spPr>
+          <a:xfrm flipH="1" flipV="1">
+            <a:off x="9346831" y="3038306"/>
+            <a:ext cx="1330542" cy="1643738"/>
+          </a:xfrm>
+          <a:prstGeom prst="straightConnector1">
+            <a:avLst/>
+          </a:prstGeom>
+          <a:ln w="19050">
+            <a:solidFill>
+              <a:schemeClr val="tx1"/>
+            </a:solidFill>
+            <a:tailEnd type="arrow"/>
+          </a:ln>
+        </p:spPr>
+        <p:style>
+          <a:lnRef idx="1">
+            <a:schemeClr val="accent1"/>
+          </a:lnRef>
+          <a:fillRef idx="0">
+            <a:schemeClr val="accent1"/>
+          </a:fillRef>
+          <a:effectRef idx="0">
+            <a:schemeClr val="accent1"/>
+          </a:effectRef>
+          <a:fontRef idx="minor">
+            <a:schemeClr val="tx1"/>
+          </a:fontRef>
+        </p:style>
+      </p:cxnSp>
+      <p:sp>
+        <p:nvSpPr>
+          <p:cNvPr id="74" name="Rounded Rectangle 73">
+            <a:extLst>
+              <a:ext uri="{FF2B5EF4-FFF2-40B4-BE49-F238E27FC236}">
+                <a16:creationId xmlns:a16="http://schemas.microsoft.com/office/drawing/2014/main" id="{1D898ADD-039D-8E4D-8182-E7C554510C04}"/>
+              </a:ext>
+            </a:extLst>
+          </p:cNvPr>
+          <p:cNvSpPr/>
+          <p:nvPr/>
+        </p:nvSpPr>
+        <p:spPr>
+          <a:xfrm>
+            <a:off x="8767947" y="4825104"/>
+            <a:ext cx="902190" cy="794098"/>
+          </a:xfrm>
+          <a:prstGeom prst="roundRect">
+            <a:avLst/>
+          </a:prstGeom>
+        </p:spPr>
+        <p:style>
+          <a:lnRef idx="2">
+            <a:schemeClr val="accent1">
+              <a:shade val="50000"/>
+            </a:schemeClr>
+          </a:lnRef>
+          <a:fillRef idx="1">
+            <a:schemeClr val="accent1"/>
+          </a:fillRef>
+          <a:effectRef idx="0">
+            <a:schemeClr val="accent1"/>
+          </a:effectRef>
+          <a:fontRef idx="minor">
+            <a:schemeClr val="lt1"/>
+          </a:fontRef>
+        </p:style>
+        <p:txBody>
+          <a:bodyPr anchor="ctr"/>
+          <a:lstStyle/>
+          <a:p>
+            <a:pPr algn="ctr" eaLnBrk="1" hangingPunct="1">
+              <a:defRPr/>
+            </a:pPr>
+            <a:r>
+              <a:rPr lang="en-US" sz="1200" dirty="0"/>
+              <a:t>Verify move input with REGEX</a:t>
+            </a:r>
+          </a:p>
+        </p:txBody>
+      </p:sp>
+      <p:cxnSp>
+        <p:nvCxnSpPr>
+          <p:cNvPr id="75" name="Straight Arrow Connector 74">
+            <a:extLst>
+              <a:ext uri="{FF2B5EF4-FFF2-40B4-BE49-F238E27FC236}">
+                <a16:creationId xmlns:a16="http://schemas.microsoft.com/office/drawing/2014/main" id="{9DC8217B-7789-6D40-91A8-E11A471A4B8F}"/>
+              </a:ext>
+            </a:extLst>
+          </p:cNvPr>
+          <p:cNvCxnSpPr>
+            <a:cxnSpLocks/>
+            <a:stCxn id="74" idx="0"/>
+          </p:cNvCxnSpPr>
+          <p:nvPr/>
+        </p:nvCxnSpPr>
+        <p:spPr>
+          <a:xfrm flipH="1" flipV="1">
+            <a:off x="8866288" y="3051085"/>
+            <a:ext cx="352754" cy="1774019"/>
           </a:xfrm>
           <a:prstGeom prst="straightConnector1">
             <a:avLst/>
@@ -4907,4 +6210,299 @@
     </a:ext>
   </a:extLst>
 </a:theme>
+</file>
+
+<file path=ppt/theme/theme2.xml><?xml version="1.0" encoding="utf-8"?>
+<a:theme xmlns:a="http://schemas.openxmlformats.org/drawingml/2006/main" name="Office Theme">
+  <a:themeElements>
+    <a:clrScheme name="Office">
+      <a:dk1>
+        <a:sysClr val="windowText" lastClr="000000"/>
+      </a:dk1>
+      <a:lt1>
+        <a:sysClr val="window" lastClr="FFFFFF"/>
+      </a:lt1>
+      <a:dk2>
+        <a:srgbClr val="44546A"/>
+      </a:dk2>
+      <a:lt2>
+        <a:srgbClr val="E7E6E6"/>
+      </a:lt2>
+      <a:accent1>
+        <a:srgbClr val="4472C4"/>
+      </a:accent1>
+      <a:accent2>
+        <a:srgbClr val="ED7D31"/>
+      </a:accent2>
+      <a:accent3>
+        <a:srgbClr val="A5A5A5"/>
+      </a:accent3>
+      <a:accent4>
+        <a:srgbClr val="FFC000"/>
+      </a:accent4>
+      <a:accent5>
+        <a:srgbClr val="5B9BD5"/>
+      </a:accent5>
+      <a:accent6>
+        <a:srgbClr val="70AD47"/>
+      </a:accent6>
+      <a:hlink>
+        <a:srgbClr val="0563C1"/>
+      </a:hlink>
+      <a:folHlink>
+        <a:srgbClr val="954F72"/>
+      </a:folHlink>
+    </a:clrScheme>
+    <a:fontScheme name="Office">
+      <a:majorFont>
+        <a:latin typeface="Calibri Light" panose="020F0302020204030204"/>
+        <a:ea typeface=""/>
+        <a:cs typeface=""/>
+        <a:font script="Jpan" typeface="游ゴシック Light"/>
+        <a:font script="Hang" typeface="맑은 고딕"/>
+        <a:font script="Hans" typeface="等线 Light"/>
+        <a:font script="Hant" typeface="新細明體"/>
+        <a:font script="Arab" typeface="Times New Roman"/>
+        <a:font script="Hebr" typeface="Times New Roman"/>
+        <a:font script="Thai" typeface="Angsana New"/>
+        <a:font script="Ethi" typeface="Nyala"/>
+        <a:font script="Beng" typeface="Vrinda"/>
+        <a:font script="Gujr" typeface="Shruti"/>
+        <a:font script="Khmr" typeface="MoolBoran"/>
+        <a:font script="Knda" typeface="Tunga"/>
+        <a:font script="Guru" typeface="Raavi"/>
+        <a:font script="Cans" typeface="Euphemia"/>
+        <a:font script="Cher" typeface="Plantagenet Cherokee"/>
+        <a:font script="Yiii" typeface="Microsoft Yi Baiti"/>
+        <a:font script="Tibt" typeface="Microsoft Himalaya"/>
+        <a:font script="Thaa" typeface="MV Boli"/>
+        <a:font script="Deva" typeface="Mangal"/>
+        <a:font script="Telu" typeface="Gautami"/>
+        <a:font script="Taml" typeface="Latha"/>
+        <a:font script="Syrc" typeface="Estrangelo Edessa"/>
+        <a:font script="Orya" typeface="Kalinga"/>
+        <a:font script="Mlym" typeface="Kartika"/>
+        <a:font script="Laoo" typeface="DokChampa"/>
+        <a:font script="Sinh" typeface="Iskoola Pota"/>
+        <a:font script="Mong" typeface="Mongolian Baiti"/>
+        <a:font script="Viet" typeface="Times New Roman"/>
+        <a:font script="Uigh" typeface="Microsoft Uighur"/>
+        <a:font script="Geor" typeface="Sylfaen"/>
+        <a:font script="Armn" typeface="Arial"/>
+        <a:font script="Bugi" typeface="Leelawadee UI"/>
+        <a:font script="Bopo" typeface="Microsoft JhengHei"/>
+        <a:font script="Java" typeface="Javanese Text"/>
+        <a:font script="Lisu" typeface="Segoe UI"/>
+        <a:font script="Mymr" typeface="Myanmar Text"/>
+        <a:font script="Nkoo" typeface="Ebrima"/>
+        <a:font script="Olck" typeface="Nirmala UI"/>
+        <a:font script="Osma" typeface="Ebrima"/>
+        <a:font script="Phag" typeface="Phagspa"/>
+        <a:font script="Syrn" typeface="Estrangelo Edessa"/>
+        <a:font script="Syrj" typeface="Estrangelo Edessa"/>
+        <a:font script="Syre" typeface="Estrangelo Edessa"/>
+        <a:font script="Sora" typeface="Nirmala UI"/>
+        <a:font script="Tale" typeface="Microsoft Tai Le"/>
+        <a:font script="Talu" typeface="Microsoft New Tai Lue"/>
+        <a:font script="Tfng" typeface="Ebrima"/>
+      </a:majorFont>
+      <a:minorFont>
+        <a:latin typeface="Calibri" panose="020F0502020204030204"/>
+        <a:ea typeface=""/>
+        <a:cs typeface=""/>
+        <a:font script="Jpan" typeface="游ゴシック"/>
+        <a:font script="Hang" typeface="맑은 고딕"/>
+        <a:font script="Hans" typeface="等线"/>
+        <a:font script="Hant" typeface="新細明體"/>
+        <a:font script="Arab" typeface="Arial"/>
+        <a:font script="Hebr" typeface="Arial"/>
+        <a:font script="Thai" typeface="Cordia New"/>
+        <a:font script="Ethi" typeface="Nyala"/>
+        <a:font script="Beng" typeface="Vrinda"/>
+        <a:font script="Gujr" typeface="Shruti"/>
+        <a:font script="Khmr" typeface="DaunPenh"/>
+        <a:font script="Knda" typeface="Tunga"/>
+        <a:font script="Guru" typeface="Raavi"/>
+        <a:font script="Cans" typeface="Euphemia"/>
+        <a:font script="Cher" typeface="Plantagenet Cherokee"/>
+        <a:font script="Yiii" typeface="Microsoft Yi Baiti"/>
+        <a:font script="Tibt" typeface="Microsoft Himalaya"/>
+        <a:font script="Thaa" typeface="MV Boli"/>
+        <a:font script="Deva" typeface="Mangal"/>
+        <a:font script="Telu" typeface="Gautami"/>
+        <a:font script="Taml" typeface="Latha"/>
+        <a:font script="Syrc" typeface="Estrangelo Edessa"/>
+        <a:font script="Orya" typeface="Kalinga"/>
+        <a:font script="Mlym" typeface="Kartika"/>
+        <a:font script="Laoo" typeface="DokChampa"/>
+        <a:font script="Sinh" typeface="Iskoola Pota"/>
+        <a:font script="Mong" typeface="Mongolian Baiti"/>
+        <a:font script="Viet" typeface="Arial"/>
+        <a:font script="Uigh" typeface="Microsoft Uighur"/>
+        <a:font script="Geor" typeface="Sylfaen"/>
+        <a:font script="Armn" typeface="Arial"/>
+        <a:font script="Bugi" typeface="Leelawadee UI"/>
+        <a:font script="Bopo" typeface="Microsoft JhengHei"/>
+        <a:font script="Java" typeface="Javanese Text"/>
+        <a:font script="Lisu" typeface="Segoe UI"/>
+        <a:font script="Mymr" typeface="Myanmar Text"/>
+        <a:font script="Nkoo" typeface="Ebrima"/>
+        <a:font script="Olck" typeface="Nirmala UI"/>
+        <a:font script="Osma" typeface="Ebrima"/>
+        <a:font script="Phag" typeface="Phagspa"/>
+        <a:font script="Syrn" typeface="Estrangelo Edessa"/>
+        <a:font script="Syrj" typeface="Estrangelo Edessa"/>
+        <a:font script="Syre" typeface="Estrangelo Edessa"/>
+        <a:font script="Sora" typeface="Nirmala UI"/>
+        <a:font script="Tale" typeface="Microsoft Tai Le"/>
+        <a:font script="Talu" typeface="Microsoft New Tai Lue"/>
+        <a:font script="Tfng" typeface="Ebrima"/>
+      </a:minorFont>
+    </a:fontScheme>
+    <a:fmtScheme name="Office">
+      <a:fillStyleLst>
+        <a:solidFill>
+          <a:schemeClr val="phClr"/>
+        </a:solidFill>
+        <a:gradFill rotWithShape="1">
+          <a:gsLst>
+            <a:gs pos="0">
+              <a:schemeClr val="phClr">
+                <a:lumMod val="110000"/>
+                <a:satMod val="105000"/>
+                <a:tint val="67000"/>
+              </a:schemeClr>
+            </a:gs>
+            <a:gs pos="50000">
+              <a:schemeClr val="phClr">
+                <a:lumMod val="105000"/>
+                <a:satMod val="103000"/>
+                <a:tint val="73000"/>
+              </a:schemeClr>
+            </a:gs>
+            <a:gs pos="100000">
+              <a:schemeClr val="phClr">
+                <a:lumMod val="105000"/>
+                <a:satMod val="109000"/>
+                <a:tint val="81000"/>
+              </a:schemeClr>
+            </a:gs>
+          </a:gsLst>
+          <a:lin ang="5400000" scaled="0"/>
+        </a:gradFill>
+        <a:gradFill rotWithShape="1">
+          <a:gsLst>
+            <a:gs pos="0">
+              <a:schemeClr val="phClr">
+                <a:satMod val="103000"/>
+                <a:lumMod val="102000"/>
+                <a:tint val="94000"/>
+              </a:schemeClr>
+            </a:gs>
+            <a:gs pos="50000">
+              <a:schemeClr val="phClr">
+                <a:satMod val="110000"/>
+                <a:lumMod val="100000"/>
+                <a:shade val="100000"/>
+              </a:schemeClr>
+            </a:gs>
+            <a:gs pos="100000">
+              <a:schemeClr val="phClr">
+                <a:lumMod val="99000"/>
+                <a:satMod val="120000"/>
+                <a:shade val="78000"/>
+              </a:schemeClr>
+            </a:gs>
+          </a:gsLst>
+          <a:lin ang="5400000" scaled="0"/>
+        </a:gradFill>
+      </a:fillStyleLst>
+      <a:lnStyleLst>
+        <a:ln w="6350" cap="flat" cmpd="sng" algn="ctr">
+          <a:solidFill>
+            <a:schemeClr val="phClr"/>
+          </a:solidFill>
+          <a:prstDash val="solid"/>
+          <a:miter lim="800000"/>
+        </a:ln>
+        <a:ln w="12700" cap="flat" cmpd="sng" algn="ctr">
+          <a:solidFill>
+            <a:schemeClr val="phClr"/>
+          </a:solidFill>
+          <a:prstDash val="solid"/>
+          <a:miter lim="800000"/>
+        </a:ln>
+        <a:ln w="19050" cap="flat" cmpd="sng" algn="ctr">
+          <a:solidFill>
+            <a:schemeClr val="phClr"/>
+          </a:solidFill>
+          <a:prstDash val="solid"/>
+          <a:miter lim="800000"/>
+        </a:ln>
+      </a:lnStyleLst>
+      <a:effectStyleLst>
+        <a:effectStyle>
+          <a:effectLst/>
+        </a:effectStyle>
+        <a:effectStyle>
+          <a:effectLst/>
+        </a:effectStyle>
+        <a:effectStyle>
+          <a:effectLst>
+            <a:outerShdw blurRad="57150" dist="19050" dir="5400000" algn="ctr" rotWithShape="0">
+              <a:srgbClr val="000000">
+                <a:alpha val="63000"/>
+              </a:srgbClr>
+            </a:outerShdw>
+          </a:effectLst>
+        </a:effectStyle>
+      </a:effectStyleLst>
+      <a:bgFillStyleLst>
+        <a:solidFill>
+          <a:schemeClr val="phClr"/>
+        </a:solidFill>
+        <a:solidFill>
+          <a:schemeClr val="phClr">
+            <a:tint val="95000"/>
+            <a:satMod val="170000"/>
+          </a:schemeClr>
+        </a:solidFill>
+        <a:gradFill rotWithShape="1">
+          <a:gsLst>
+            <a:gs pos="0">
+              <a:schemeClr val="phClr">
+                <a:tint val="93000"/>
+                <a:satMod val="150000"/>
+                <a:shade val="98000"/>
+                <a:lumMod val="102000"/>
+              </a:schemeClr>
+            </a:gs>
+            <a:gs pos="50000">
+              <a:schemeClr val="phClr">
+                <a:tint val="98000"/>
+                <a:satMod val="130000"/>
+                <a:shade val="90000"/>
+                <a:lumMod val="103000"/>
+              </a:schemeClr>
+            </a:gs>
+            <a:gs pos="100000">
+              <a:schemeClr val="phClr">
+                <a:shade val="63000"/>
+                <a:satMod val="120000"/>
+              </a:schemeClr>
+            </a:gs>
+          </a:gsLst>
+          <a:lin ang="5400000" scaled="0"/>
+        </a:gradFill>
+      </a:bgFillStyleLst>
+    </a:fmtScheme>
+  </a:themeElements>
+  <a:objectDefaults/>
+  <a:extraClrSchemeLst/>
+  <a:extLst>
+    <a:ext uri="{05A4C25C-085E-4340-85A3-A5531E510DB2}">
+      <thm15:themeFamily xmlns:thm15="http://schemas.microsoft.com/office/thememl/2012/main" name="Office Theme" id="{62F939B6-93AF-4DB8-9C6B-D6C7DFDC589F}" vid="{4A3C46E8-61CC-4603-A589-7422A47A8E4A}"/>
+    </a:ext>
+  </a:extLst>
+</a:theme>
 </file>